--- a/Joint embedding.pptx
+++ b/Joint embedding.pptx
@@ -1941,6 +1941,45 @@
             </a:endParaRPr>
           </a:p>
           <a:p>
+            <a:pPr marL="0" marR="0" lvl="0" indent="0" algn="r" defTabSz="914400" rtl="0" eaLnBrk="1" fontAlgn="auto" latinLnBrk="0" hangingPunct="1">
+              <a:lnSpc>
+                <a:spcPct val="100000"/>
+              </a:lnSpc>
+              <a:spcBef>
+                <a:spcPts val="0"/>
+              </a:spcBef>
+              <a:spcAft>
+                <a:spcPts val="0"/>
+              </a:spcAft>
+              <a:buClr>
+                <a:srgbClr val="000000"/>
+              </a:buClr>
+              <a:buSzPts val="1100"/>
+              <a:buFont typeface="Arial"/>
+              <a:buNone/>
+              <a:tabLst/>
+              <a:defRPr/>
+            </a:pPr>
+            <a:r>
+              <a:rPr lang="en-US" sz="1100" dirty="0">
+                <a:latin typeface="Segoe UI Semilight" panose="020B0402040204020203" pitchFamily="34" charset="0"/>
+                <a:cs typeface="Segoe UI Semilight" panose="020B0402040204020203" pitchFamily="34" charset="0"/>
+              </a:rPr>
+              <a:t>SNR</a:t>
+            </a:r>
+            <a:r>
+              <a:rPr lang="he-IL" sz="1100" dirty="0">
+                <a:latin typeface="Segoe UI Semilight" panose="020B0402040204020203" pitchFamily="34" charset="0"/>
+                <a:cs typeface="Segoe UI Semilight" panose="020B0402040204020203" pitchFamily="34" charset="0"/>
+              </a:rPr>
+              <a:t> – מדידת היחס בין עוצמת הרעש לעוצמת הקול, אם היחס הוא יותר מ1:1 אז עוצמת האות יותר חזקה מעוצמת הרעש</a:t>
+            </a:r>
+            <a:endParaRPr lang="en-US" sz="1100" dirty="0">
+              <a:latin typeface="Segoe UI Semilight" panose="020B0402040204020203" pitchFamily="34" charset="0"/>
+              <a:cs typeface="Segoe UI Semilight" panose="020B0402040204020203" pitchFamily="34" charset="0"/>
+            </a:endParaRPr>
+          </a:p>
+          <a:p>
             <a:pPr marL="0" indent="0" algn="r">
               <a:buNone/>
             </a:pPr>
@@ -2044,19 +2083,13 @@
           </a:bodyPr>
           <a:lstStyle/>
           <a:p>
-            <a:pPr marL="0" indent="0" algn="r">
+            <a:pPr marL="0" indent="0" algn="r" rtl="1">
               <a:buNone/>
             </a:pPr>
             <a:endParaRPr lang="en-US" sz="1200" dirty="0">
               <a:latin typeface="Segoe UI Semilight" panose="020B0402040204020203" pitchFamily="34" charset="0"/>
               <a:cs typeface="Segoe UI Semilight" panose="020B0402040204020203" pitchFamily="34" charset="0"/>
             </a:endParaRPr>
-          </a:p>
-          <a:p>
-            <a:pPr marL="0" indent="0" algn="r">
-              <a:buNone/>
-            </a:pPr>
-            <a:endParaRPr dirty="0"/>
           </a:p>
         </p:txBody>
       </p:sp>
@@ -14591,7 +14624,7 @@
         <p:spPr>
           <a:xfrm>
             <a:off x="225075" y="1225225"/>
-            <a:ext cx="8520600" cy="3354000"/>
+            <a:ext cx="8520600" cy="3528818"/>
           </a:xfrm>
           <a:prstGeom prst="rect">
             <a:avLst/>
@@ -14599,7 +14632,7 @@
         </p:spPr>
         <p:txBody>
           <a:bodyPr spcFirstLastPara="1" wrap="square" lIns="91425" tIns="91425" rIns="91425" bIns="91425" anchor="t" anchorCtr="0">
-            <a:normAutofit/>
+            <a:noAutofit/>
           </a:bodyPr>
           <a:lstStyle/>
           <a:p>
@@ -14616,102 +14649,214 @@
               <a:buNone/>
             </a:pPr>
             <a:r>
-              <a:rPr lang="he-IL" sz="1800" dirty="0">
+              <a:rPr lang="he-IL" sz="1600" dirty="0">
                 <a:latin typeface="Segoe UI Semilight" panose="020B0402040204020203" pitchFamily="34" charset="0"/>
                 <a:cs typeface="Segoe UI Semilight" panose="020B0402040204020203" pitchFamily="34" charset="0"/>
               </a:rPr>
-              <a:t>מאגר הנתונים נקרא</a:t>
+              <a:t>מאגר הנתונים </a:t>
             </a:r>
             <a:r>
-              <a:rPr lang="en-US" sz="1800" dirty="0">
+              <a:rPr lang="en-US" sz="1600" dirty="0">
                 <a:latin typeface="Segoe UI Semilight" panose="020B0402040204020203" pitchFamily="34" charset="0"/>
                 <a:cs typeface="Segoe UI Semilight" panose="020B0402040204020203" pitchFamily="34" charset="0"/>
               </a:rPr>
               <a:t>AVSpeech </a:t>
             </a:r>
             <a:r>
-              <a:rPr lang="he-IL" sz="1800" dirty="0">
+              <a:rPr lang="he-IL" sz="1600" dirty="0">
                 <a:latin typeface="Segoe UI Semilight" panose="020B0402040204020203" pitchFamily="34" charset="0"/>
                 <a:cs typeface="Segoe UI Semilight" panose="020B0402040204020203" pitchFamily="34" charset="0"/>
               </a:rPr>
-              <a:t> ומורכב מסרטונים נקיים ללא רעש והפרעות של </a:t>
+              <a:t> מורכב מסרטונים של </a:t>
             </a:r>
             <a:r>
-              <a:rPr lang="en-US" sz="1800" dirty="0">
+              <a:rPr lang="en-US" sz="1600" dirty="0">
                 <a:latin typeface="Segoe UI Semilight" panose="020B0402040204020203" pitchFamily="34" charset="0"/>
                 <a:cs typeface="Segoe UI Semilight" panose="020B0402040204020203" pitchFamily="34" charset="0"/>
               </a:rPr>
               <a:t>TED</a:t>
             </a:r>
             <a:r>
-              <a:rPr lang="he-IL" sz="1800" dirty="0">
+              <a:rPr lang="he-IL" sz="1600" dirty="0">
                 <a:latin typeface="Segoe UI Semilight" panose="020B0402040204020203" pitchFamily="34" charset="0"/>
                 <a:cs typeface="Segoe UI Semilight" panose="020B0402040204020203" pitchFamily="34" charset="0"/>
               </a:rPr>
-              <a:t> ו- </a:t>
+              <a:t> ו-</a:t>
             </a:r>
             <a:r>
-              <a:rPr lang="en-US" sz="1800" dirty="0">
+              <a:rPr lang="en-US" sz="1600" dirty="0">
                 <a:latin typeface="Segoe UI Semilight" panose="020B0402040204020203" pitchFamily="34" charset="0"/>
                 <a:cs typeface="Segoe UI Semilight" panose="020B0402040204020203" pitchFamily="34" charset="0"/>
               </a:rPr>
-              <a:t>Youtube</a:t>
+              <a:t>Youtube </a:t>
             </a:r>
             <a:r>
-              <a:rPr lang="he-IL" sz="1800" dirty="0">
+              <a:rPr lang="he-IL" sz="1600" dirty="0">
                 <a:latin typeface="Segoe UI Semilight" panose="020B0402040204020203" pitchFamily="34" charset="0"/>
                 <a:cs typeface="Segoe UI Semilight" panose="020B0402040204020203" pitchFamily="34" charset="0"/>
               </a:rPr>
-              <a:t> (כ-4700 שעות).</a:t>
+              <a:t> שחולצו מהם כל הקטעים הנקיים ללא רעש והפרעות (כ-4700 שעות של סרטונים).</a:t>
             </a:r>
             <a:br>
-              <a:rPr lang="en-US" sz="1800" dirty="0">
+              <a:rPr lang="en-US" sz="1600" dirty="0">
                 <a:latin typeface="Segoe UI Semilight" panose="020B0402040204020203" pitchFamily="34" charset="0"/>
                 <a:cs typeface="Segoe UI Semilight" panose="020B0402040204020203" pitchFamily="34" charset="0"/>
               </a:rPr>
             </a:br>
             <a:r>
-              <a:rPr lang="he-IL" sz="1800" dirty="0">
+              <a:rPr lang="he-IL" sz="1600" dirty="0">
+                <a:latin typeface="Segoe UI Semilight" panose="020B0402040204020203" pitchFamily="34" charset="0"/>
+                <a:cs typeface="Segoe UI Semilight" panose="020B0402040204020203" pitchFamily="34" charset="0"/>
+              </a:rPr>
+              <a:t>כמו כן, ניתחו את הסרטונים לפריימים</a:t>
+            </a:r>
+            <a:r>
+              <a:rPr lang="en-US" sz="1600" dirty="0">
+                <a:latin typeface="Segoe UI Semilight" panose="020B0402040204020203" pitchFamily="34" charset="0"/>
+                <a:cs typeface="Segoe UI Semilight" panose="020B0402040204020203" pitchFamily="34" charset="0"/>
+              </a:rPr>
+              <a:t> </a:t>
+            </a:r>
+            <a:r>
+              <a:rPr lang="he-IL" sz="1600" dirty="0">
+                <a:latin typeface="Segoe UI Semilight" panose="020B0402040204020203" pitchFamily="34" charset="0"/>
+                <a:cs typeface="Segoe UI Semilight" panose="020B0402040204020203" pitchFamily="34" charset="0"/>
+              </a:rPr>
+              <a:t>וכל פריים שהפנים של הדובר היו מטושטשות או ללא הבעת פנים ברורה</a:t>
+            </a:r>
+            <a:r>
+              <a:rPr lang="en-US" sz="1600" dirty="0">
+                <a:latin typeface="Segoe UI Semilight" panose="020B0402040204020203" pitchFamily="34" charset="0"/>
+                <a:cs typeface="Segoe UI Semilight" panose="020B0402040204020203" pitchFamily="34" charset="0"/>
+              </a:rPr>
+              <a:t> </a:t>
+            </a:r>
+            <a:r>
+              <a:rPr lang="he-IL" sz="1600" dirty="0">
+                <a:latin typeface="Segoe UI Semilight" panose="020B0402040204020203" pitchFamily="34" charset="0"/>
+                <a:cs typeface="Segoe UI Semilight" panose="020B0402040204020203" pitchFamily="34" charset="0"/>
+              </a:rPr>
+              <a:t>נמחק, סרטונים שבהם היה</a:t>
+            </a:r>
+            <a:r>
+              <a:rPr lang="en-US" sz="1600" dirty="0">
+                <a:latin typeface="Segoe UI Semilight" panose="020B0402040204020203" pitchFamily="34" charset="0"/>
+                <a:cs typeface="Segoe UI Semilight" panose="020B0402040204020203" pitchFamily="34" charset="0"/>
+              </a:rPr>
+              <a:t> </a:t>
+            </a:r>
+            <a:r>
+              <a:rPr lang="he-IL" sz="1600" dirty="0">
+                <a:latin typeface="Segoe UI Semilight" panose="020B0402040204020203" pitchFamily="34" charset="0"/>
+                <a:cs typeface="Segoe UI Semilight" panose="020B0402040204020203" pitchFamily="34" charset="0"/>
+              </a:rPr>
+              <a:t>יותר מ15% פריימים לא ברורים נמחקו לגמרי.</a:t>
+            </a:r>
+            <a:br>
+              <a:rPr lang="he-IL" sz="1600" dirty="0">
+                <a:latin typeface="Segoe UI Semilight" panose="020B0402040204020203" pitchFamily="34" charset="0"/>
+                <a:cs typeface="Segoe UI Semilight" panose="020B0402040204020203" pitchFamily="34" charset="0"/>
+              </a:rPr>
+            </a:br>
+            <a:r>
+              <a:rPr lang="he-IL" sz="1600" dirty="0">
+                <a:latin typeface="Segoe UI Semilight" panose="020B0402040204020203" pitchFamily="34" charset="0"/>
+                <a:cs typeface="Segoe UI Semilight" panose="020B0402040204020203" pitchFamily="34" charset="0"/>
+              </a:rPr>
+              <a:t>בנוסף, גם קטעים רועשים מידי הוסרו בעזרת שימוש ב</a:t>
+            </a:r>
+            <a:r>
+              <a:rPr lang="en-US" sz="1600" dirty="0">
+                <a:latin typeface="Segoe UI Semilight" panose="020B0402040204020203" pitchFamily="34" charset="0"/>
+                <a:cs typeface="Segoe UI Semilight" panose="020B0402040204020203" pitchFamily="34" charset="0"/>
+              </a:rPr>
+              <a:t>SNR</a:t>
+            </a:r>
+            <a:r>
+              <a:rPr lang="he-IL" sz="1600" dirty="0">
+                <a:latin typeface="Segoe UI Semilight" panose="020B0402040204020203" pitchFamily="34" charset="0"/>
+                <a:cs typeface="Segoe UI Semilight" panose="020B0402040204020203" pitchFamily="34" charset="0"/>
+              </a:rPr>
+              <a:t> (</a:t>
+            </a:r>
+            <a:r>
+              <a:rPr lang="en-US" sz="1600" dirty="0">
+                <a:latin typeface="Segoe UI Semilight" panose="020B0402040204020203" pitchFamily="34" charset="0"/>
+                <a:cs typeface="Segoe UI Semilight" panose="020B0402040204020203" pitchFamily="34" charset="0"/>
+              </a:rPr>
+              <a:t>Signal-to-noise ratio</a:t>
+            </a:r>
+            <a:r>
+              <a:rPr lang="he-IL" sz="1600" dirty="0">
+                <a:latin typeface="Segoe UI Semilight" panose="020B0402040204020203" pitchFamily="34" charset="0"/>
+                <a:cs typeface="Segoe UI Semilight" panose="020B0402040204020203" pitchFamily="34" charset="0"/>
+              </a:rPr>
+              <a:t>).</a:t>
+            </a:r>
+            <a:br>
+              <a:rPr lang="en-US" sz="1600" dirty="0">
+                <a:latin typeface="Segoe UI Semilight" panose="020B0402040204020203" pitchFamily="34" charset="0"/>
+                <a:cs typeface="Segoe UI Semilight" panose="020B0402040204020203" pitchFamily="34" charset="0"/>
+              </a:rPr>
+            </a:br>
+            <a:r>
+              <a:rPr lang="he-IL" sz="1600" dirty="0">
                 <a:latin typeface="Segoe UI Semilight" panose="020B0402040204020203" pitchFamily="34" charset="0"/>
                 <a:cs typeface="Segoe UI Semilight" panose="020B0402040204020203" pitchFamily="34" charset="0"/>
               </a:rPr>
               <a:t>כדי ליצור מאגר אימון (</a:t>
             </a:r>
             <a:r>
-              <a:rPr lang="en-US" sz="1800" dirty="0">
+              <a:rPr lang="en-US" sz="1600" dirty="0">
                 <a:latin typeface="Segoe UI Semilight" panose="020B0402040204020203" pitchFamily="34" charset="0"/>
                 <a:cs typeface="Segoe UI Semilight" panose="020B0402040204020203" pitchFamily="34" charset="0"/>
               </a:rPr>
               <a:t>train set</a:t>
             </a:r>
             <a:r>
-              <a:rPr lang="he-IL" sz="1800" dirty="0">
+              <a:rPr lang="he-IL" sz="1600" dirty="0">
                 <a:latin typeface="Segoe UI Semilight" panose="020B0402040204020203" pitchFamily="34" charset="0"/>
                 <a:cs typeface="Segoe UI Semilight" panose="020B0402040204020203" pitchFamily="34" charset="0"/>
               </a:rPr>
-              <a:t>) הוסיפו לסרטונים רעש ודיבור רקע ע"מ ליצור</a:t>
+              <a:t>) יצרו </a:t>
             </a:r>
-            <a:r>
-              <a:rPr lang="en-US" sz="1800" dirty="0">
+            <a:br>
+              <a:rPr lang="he-IL" sz="1600" dirty="0">
                 <a:latin typeface="Segoe UI Semilight" panose="020B0402040204020203" pitchFamily="34" charset="0"/>
                 <a:cs typeface="Segoe UI Semilight" panose="020B0402040204020203" pitchFamily="34" charset="0"/>
               </a:rPr>
-              <a:t> </a:t>
-            </a:r>
+            </a:br>
             <a:r>
-              <a:rPr lang="he-IL" sz="1800" dirty="0">
+              <a:rPr lang="he-IL" sz="1600" dirty="0">
                 <a:latin typeface="Segoe UI Semilight" panose="020B0402040204020203" pitchFamily="34" charset="0"/>
                 <a:cs typeface="Segoe UI Semilight" panose="020B0402040204020203" pitchFamily="34" charset="0"/>
               </a:rPr>
-              <a:t>"מסיבות קוקטייל סינטטיות"</a:t>
+              <a:t>תערובת של סרטונים עם דיבור נקי עם </a:t>
+            </a:r>
+            <a:br>
+              <a:rPr lang="he-IL" sz="1600" dirty="0">
+                <a:latin typeface="Segoe UI Semilight" panose="020B0402040204020203" pitchFamily="34" charset="0"/>
+                <a:cs typeface="Segoe UI Semilight" panose="020B0402040204020203" pitchFamily="34" charset="0"/>
+              </a:rPr>
+            </a:br>
+            <a:r>
+              <a:rPr lang="he-IL" sz="1600" dirty="0">
+                <a:latin typeface="Segoe UI Semilight" panose="020B0402040204020203" pitchFamily="34" charset="0"/>
+                <a:cs typeface="Segoe UI Semilight" panose="020B0402040204020203" pitchFamily="34" charset="0"/>
+              </a:rPr>
+              <a:t>שמע שמכיל רעשי רקע</a:t>
             </a:r>
             <a:r>
-              <a:rPr lang="en-US" sz="1800" dirty="0">
+              <a:rPr lang="en-US" sz="1600" dirty="0">
                 <a:latin typeface="Segoe UI Semilight" panose="020B0402040204020203" pitchFamily="34" charset="0"/>
                 <a:cs typeface="Segoe UI Semilight" panose="020B0402040204020203" pitchFamily="34" charset="0"/>
               </a:rPr>
               <a:t>.</a:t>
             </a:r>
+            <a:endParaRPr lang="he-IL" sz="1600" dirty="0">
+              <a:latin typeface="Segoe UI Semilight" panose="020B0402040204020203" pitchFamily="34" charset="0"/>
+              <a:cs typeface="Segoe UI Semilight" panose="020B0402040204020203" pitchFamily="34" charset="0"/>
+            </a:endParaRPr>
           </a:p>
           <a:p>
             <a:pPr marL="0" lvl="0" indent="0" algn="r" rtl="1">
@@ -14726,7 +14871,7 @@
               </a:spcAft>
               <a:buNone/>
             </a:pPr>
-            <a:endParaRPr lang="he-IL" sz="2000" dirty="0">
+            <a:endParaRPr lang="he-IL" sz="1600" dirty="0">
               <a:latin typeface="Segoe UI Semilight" panose="020B0402040204020203" pitchFamily="34" charset="0"/>
               <a:cs typeface="Segoe UI Semilight" panose="020B0402040204020203" pitchFamily="34" charset="0"/>
             </a:endParaRPr>
@@ -15331,7 +15476,7 @@
             </a:pPr>
             <a:r>
               <a:rPr lang="en-US" dirty="0"/>
-              <a:t>Cocktail Party </a:t>
+              <a:t>Data set</a:t>
             </a:r>
           </a:p>
         </p:txBody>
@@ -15425,6 +15570,125 @@
           </a:p>
         </p:txBody>
       </p:sp>
+      <p:sp>
+        <p:nvSpPr>
+          <p:cNvPr id="7" name="Rectangle 4">
+            <a:extLst>
+              <a:ext uri="{FF2B5EF4-FFF2-40B4-BE49-F238E27FC236}">
+                <a16:creationId xmlns:a16="http://schemas.microsoft.com/office/drawing/2014/main" id="{9620069C-64D2-FC6A-C092-D1AE6CB9808D}"/>
+              </a:ext>
+            </a:extLst>
+          </p:cNvPr>
+          <p:cNvSpPr>
+            <a:spLocks noChangeArrowheads="1"/>
+          </p:cNvSpPr>
+          <p:nvPr/>
+        </p:nvSpPr>
+        <p:spPr bwMode="auto">
+          <a:xfrm>
+            <a:off x="9143935" y="99715"/>
+            <a:ext cx="65" cy="257769"/>
+          </a:xfrm>
+          <a:prstGeom prst="rect">
+            <a:avLst/>
+          </a:prstGeom>
+          <a:solidFill>
+            <a:srgbClr val="F8F9FA"/>
+          </a:solidFill>
+          <a:ln>
+            <a:noFill/>
+          </a:ln>
+          <a:effectLst/>
+          <a:extLst>
+            <a:ext uri="{91240B29-F687-4F45-9708-019B960494DF}">
+              <a14:hiddenLine xmlns:a14="http://schemas.microsoft.com/office/drawing/2010/main" w="9525">
+                <a:solidFill>
+                  <a:schemeClr val="tx1"/>
+                </a:solidFill>
+                <a:miter lim="800000"/>
+                <a:headEnd/>
+                <a:tailEnd/>
+              </a14:hiddenLine>
+            </a:ext>
+            <a:ext uri="{AF507438-7753-43E0-B8FC-AC1667EBCBE1}">
+              <a14:hiddenEffects xmlns:a14="http://schemas.microsoft.com/office/drawing/2010/main">
+                <a:effectLst>
+                  <a:outerShdw dist="35921" dir="2700000" algn="ctr" rotWithShape="0">
+                    <a:schemeClr val="bg2"/>
+                  </a:outerShdw>
+                </a:effectLst>
+              </a14:hiddenEffects>
+            </a:ext>
+          </a:extLst>
+        </p:spPr>
+        <p:txBody>
+          <a:bodyPr vert="horz" wrap="none" lIns="0" tIns="-9522" rIns="0" bIns="-9522" numCol="1" anchor="ctr" anchorCtr="0" compatLnSpc="1">
+            <a:prstTxWarp prst="textNoShape">
+              <a:avLst/>
+            </a:prstTxWarp>
+            <a:spAutoFit/>
+          </a:bodyPr>
+          <a:lstStyle/>
+          <a:p>
+            <a:pPr marL="0" marR="0" lvl="0" indent="0" algn="r" defTabSz="914400" rtl="0" eaLnBrk="0" fontAlgn="base" latinLnBrk="0" hangingPunct="0">
+              <a:lnSpc>
+                <a:spcPct val="100000"/>
+              </a:lnSpc>
+              <a:spcBef>
+                <a:spcPct val="0"/>
+              </a:spcBef>
+              <a:spcAft>
+                <a:spcPct val="0"/>
+              </a:spcAft>
+              <a:buClrTx/>
+              <a:buSzTx/>
+              <a:buFontTx/>
+              <a:buNone/>
+              <a:tabLst/>
+            </a:pPr>
+            <a:endParaRPr kumimoji="0" lang="he-IL" altLang="he-IL" sz="1800" b="0" i="0" u="none" strike="noStrike" cap="none" normalizeH="0" baseline="0" dirty="0">
+              <a:ln>
+                <a:noFill/>
+              </a:ln>
+              <a:solidFill>
+                <a:schemeClr val="tx1"/>
+              </a:solidFill>
+              <a:effectLst/>
+              <a:latin typeface="Arial" panose="020B0604020202020204" pitchFamily="34" charset="0"/>
+            </a:endParaRPr>
+          </a:p>
+        </p:txBody>
+      </p:sp>
+      <p:pic>
+        <p:nvPicPr>
+          <p:cNvPr id="11" name="תמונה 10">
+            <a:extLst>
+              <a:ext uri="{FF2B5EF4-FFF2-40B4-BE49-F238E27FC236}">
+                <a16:creationId xmlns:a16="http://schemas.microsoft.com/office/drawing/2014/main" id="{3BCA0644-A4B4-1173-3019-3B3DFF8C4DB5}"/>
+              </a:ext>
+            </a:extLst>
+          </p:cNvPr>
+          <p:cNvPicPr>
+            <a:picLocks noChangeAspect="1"/>
+          </p:cNvPicPr>
+          <p:nvPr/>
+        </p:nvPicPr>
+        <p:blipFill>
+          <a:blip r:embed="rId3"/>
+          <a:stretch>
+            <a:fillRect/>
+          </a:stretch>
+        </p:blipFill>
+        <p:spPr>
+          <a:xfrm>
+            <a:off x="398325" y="3300354"/>
+            <a:ext cx="4795597" cy="1407111"/>
+          </a:xfrm>
+          <a:prstGeom prst="rect">
+            <a:avLst/>
+          </a:prstGeom>
+        </p:spPr>
+      </p:pic>
     </p:spTree>
     <p:extLst>
       <p:ext uri="{BB962C8B-B14F-4D97-AF65-F5344CB8AC3E}">
@@ -15479,27 +15743,6 @@
             <a:normAutofit/>
           </a:bodyPr>
           <a:lstStyle/>
-          <a:p>
-            <a:pPr marL="0" lvl="0" indent="0" algn="r" rtl="1">
-              <a:lnSpc>
-                <a:spcPct val="150000"/>
-              </a:lnSpc>
-              <a:spcBef>
-                <a:spcPts val="0"/>
-              </a:spcBef>
-              <a:spcAft>
-                <a:spcPts val="1200"/>
-              </a:spcAft>
-              <a:buNone/>
-            </a:pPr>
-            <a:r>
-              <a:rPr lang="he-IL" sz="1800" dirty="0">
-                <a:latin typeface="Segoe UI Semilight" panose="020B0402040204020203" pitchFamily="34" charset="0"/>
-                <a:cs typeface="Segoe UI Semilight" panose="020B0402040204020203" pitchFamily="34" charset="0"/>
-              </a:rPr>
-              <a:t>הצגת הפתרון</a:t>
-            </a:r>
-          </a:p>
           <a:p>
             <a:pPr marL="0" lvl="0" indent="0" algn="r" rtl="1">
               <a:lnSpc>
